--- a/An Adventure with the Ensemble Kalman Filter.pptx
+++ b/An Adventure with the Ensemble Kalman Filter.pptx
@@ -4262,13 +4262,8 @@
           <a:p>
             <a:r>
               <a:rPr lang="en-US" dirty="0"/>
-              <a:t>GPS Localization is imperfect </a:t>
-            </a:r>
-            <a:r>
-              <a:rPr lang="en-US"/>
-              <a:t>– </a:t>
-            </a:r>
-            <a:endParaRPr lang="en-US" dirty="0"/>
+              <a:t>GPS Localization is imperfect and has some error distribution.</a:t>
+            </a:r>
           </a:p>
         </p:txBody>
       </p:sp>

--- a/An Adventure with the Ensemble Kalman Filter.pptx
+++ b/An Adventure with the Ensemble Kalman Filter.pptx
@@ -8,6 +8,13 @@
     <p:sldId id="256" r:id="rId2"/>
     <p:sldId id="257" r:id="rId3"/>
     <p:sldId id="258" r:id="rId4"/>
+    <p:sldId id="260" r:id="rId5"/>
+    <p:sldId id="261" r:id="rId6"/>
+    <p:sldId id="262" r:id="rId7"/>
+    <p:sldId id="263" r:id="rId8"/>
+    <p:sldId id="264" r:id="rId9"/>
+    <p:sldId id="265" r:id="rId10"/>
+    <p:sldId id="266" r:id="rId11"/>
   </p:sldIdLst>
   <p:sldSz cx="12192000" cy="6858000"/>
   <p:notesSz cx="6858000" cy="9144000"/>
@@ -4093,6 +4100,105 @@
 </p:sld>
 </file>
 
+<file path=ppt/slides/slide10.xml><?xml version="1.0" encoding="utf-8"?>
+<p:sld xmlns:a="http://schemas.openxmlformats.org/drawingml/2006/main" xmlns:r="http://schemas.openxmlformats.org/officeDocument/2006/relationships" xmlns:p="http://schemas.openxmlformats.org/presentationml/2006/main">
+  <p:cSld>
+    <p:spTree>
+      <p:nvGrpSpPr>
+        <p:cNvPr id="1" name=""/>
+        <p:cNvGrpSpPr/>
+        <p:nvPr/>
+      </p:nvGrpSpPr>
+      <p:grpSpPr>
+        <a:xfrm>
+          <a:off x="0" y="0"/>
+          <a:ext cx="0" cy="0"/>
+          <a:chOff x="0" y="0"/>
+          <a:chExt cx="0" cy="0"/>
+        </a:xfrm>
+      </p:grpSpPr>
+      <p:sp>
+        <p:nvSpPr>
+          <p:cNvPr id="2" name="Title 1">
+            <a:extLst>
+              <a:ext uri="{FF2B5EF4-FFF2-40B4-BE49-F238E27FC236}">
+                <a16:creationId xmlns:a16="http://schemas.microsoft.com/office/drawing/2014/main" id="{E5B4E3A6-D322-2060-A8F4-C3AFEE30D521}"/>
+              </a:ext>
+            </a:extLst>
+          </p:cNvPr>
+          <p:cNvSpPr>
+            <a:spLocks noGrp="1"/>
+          </p:cNvSpPr>
+          <p:nvPr>
+            <p:ph type="title"/>
+          </p:nvPr>
+        </p:nvSpPr>
+        <p:spPr/>
+        <p:txBody>
+          <a:bodyPr/>
+          <a:lstStyle/>
+          <a:p>
+            <a:r>
+              <a:rPr lang="en-US" dirty="0"/>
+              <a:t>Conclusions</a:t>
+            </a:r>
+          </a:p>
+        </p:txBody>
+      </p:sp>
+      <p:sp>
+        <p:nvSpPr>
+          <p:cNvPr id="3" name="Content Placeholder 2">
+            <a:extLst>
+              <a:ext uri="{FF2B5EF4-FFF2-40B4-BE49-F238E27FC236}">
+                <a16:creationId xmlns:a16="http://schemas.microsoft.com/office/drawing/2014/main" id="{7E4EACFA-7E8F-ADF1-A45E-0CC1D62F3595}"/>
+              </a:ext>
+            </a:extLst>
+          </p:cNvPr>
+          <p:cNvSpPr>
+            <a:spLocks noGrp="1"/>
+          </p:cNvSpPr>
+          <p:nvPr>
+            <p:ph idx="1"/>
+          </p:nvPr>
+        </p:nvSpPr>
+        <p:spPr/>
+        <p:txBody>
+          <a:bodyPr/>
+          <a:lstStyle/>
+          <a:p>
+            <a:r>
+              <a:rPr lang="en-US" dirty="0"/>
+              <a:t>While this was a toy example, the </a:t>
+            </a:r>
+            <a:r>
+              <a:rPr lang="en-US" dirty="0" err="1"/>
+              <a:t>EnKF</a:t>
+            </a:r>
+            <a:r>
+              <a:rPr lang="en-US" dirty="0"/>
+              <a:t> seems to be a viable tool for GPS navigation, particularly when paired with other data sources such as local sensors and </a:t>
+            </a:r>
+            <a:r>
+              <a:rPr lang="en-US"/>
+              <a:t>more context.</a:t>
+            </a:r>
+            <a:endParaRPr lang="en-US" dirty="0"/>
+          </a:p>
+        </p:txBody>
+      </p:sp>
+    </p:spTree>
+    <p:extLst>
+      <p:ext uri="{BB962C8B-B14F-4D97-AF65-F5344CB8AC3E}">
+        <p14:creationId xmlns:p14="http://schemas.microsoft.com/office/powerpoint/2010/main" val="3597293865"/>
+      </p:ext>
+    </p:extLst>
+  </p:cSld>
+  <p:clrMapOvr>
+    <a:masterClrMapping/>
+  </p:clrMapOvr>
+</p:sld>
+</file>
+
 <file path=ppt/slides/slide2.xml><?xml version="1.0" encoding="utf-8"?>
 <p:sld xmlns:a="http://schemas.openxmlformats.org/drawingml/2006/main" xmlns:r="http://schemas.openxmlformats.org/officeDocument/2006/relationships" xmlns:p="http://schemas.openxmlformats.org/presentationml/2006/main">
   <p:cSld>
@@ -4231,7 +4337,6 @@
           <a:bodyPr/>
           <a:lstStyle/>
           <a:p>
-            <a:pPr algn="ctr"/>
             <a:r>
               <a:rPr lang="en-US" dirty="0"/>
               <a:t>Problem Setup</a:t>
@@ -4255,14 +4360,31 @@
             <p:ph idx="1"/>
           </p:nvPr>
         </p:nvSpPr>
-        <p:spPr/>
+        <p:spPr>
+          <a:xfrm>
+            <a:off x="1620444" y="2419639"/>
+            <a:ext cx="8977509" cy="3141785"/>
+          </a:xfrm>
+        </p:spPr>
         <p:txBody>
           <a:bodyPr/>
           <a:lstStyle/>
           <a:p>
             <a:r>
               <a:rPr lang="en-US" dirty="0"/>
-              <a:t>GPS Localization is imperfect and has some error distribution.</a:t>
+              <a:t>GPS Localization is imperfect and can be especially inaccurate under conditions that increase interference.</a:t>
+            </a:r>
+          </a:p>
+          <a:p>
+            <a:r>
+              <a:rPr lang="en-US" dirty="0"/>
+              <a:t>The accuracy of road navigation is somewhat illusory – given movement patterns it can be quite easy to determine which road a car is heading down, which makes up for the inaccuracies of GPS in this scenario.</a:t>
+            </a:r>
+          </a:p>
+          <a:p>
+            <a:r>
+              <a:rPr lang="en-US" dirty="0"/>
+              <a:t>For GPS navigation for walking directions, pure accuracy is much more important.</a:t>
             </a:r>
           </a:p>
         </p:txBody>
@@ -4280,10 +4402,1344 @@
 </p:sld>
 </file>
 
+<file path=ppt/slides/slide4.xml><?xml version="1.0" encoding="utf-8"?>
+<p:sld xmlns:a="http://schemas.openxmlformats.org/drawingml/2006/main" xmlns:r="http://schemas.openxmlformats.org/officeDocument/2006/relationships" xmlns:p="http://schemas.openxmlformats.org/presentationml/2006/main">
+  <p:cSld>
+    <p:spTree>
+      <p:nvGrpSpPr>
+        <p:cNvPr id="1" name=""/>
+        <p:cNvGrpSpPr/>
+        <p:nvPr/>
+      </p:nvGrpSpPr>
+      <p:grpSpPr>
+        <a:xfrm>
+          <a:off x="0" y="0"/>
+          <a:ext cx="0" cy="0"/>
+          <a:chOff x="0" y="0"/>
+          <a:chExt cx="0" cy="0"/>
+        </a:xfrm>
+      </p:grpSpPr>
+      <p:sp>
+        <p:nvSpPr>
+          <p:cNvPr id="2" name="Title 1">
+            <a:extLst>
+              <a:ext uri="{FF2B5EF4-FFF2-40B4-BE49-F238E27FC236}">
+                <a16:creationId xmlns:a16="http://schemas.microsoft.com/office/drawing/2014/main" id="{DD0EB47E-A043-1538-C775-CC3F40D0707E}"/>
+              </a:ext>
+            </a:extLst>
+          </p:cNvPr>
+          <p:cNvSpPr>
+            <a:spLocks noGrp="1"/>
+          </p:cNvSpPr>
+          <p:nvPr>
+            <p:ph type="title"/>
+          </p:nvPr>
+        </p:nvSpPr>
+        <p:spPr/>
+        <p:txBody>
+          <a:bodyPr/>
+          <a:lstStyle/>
+          <a:p>
+            <a:r>
+              <a:rPr lang="en-US" dirty="0"/>
+              <a:t>A proof of concept</a:t>
+            </a:r>
+          </a:p>
+        </p:txBody>
+      </p:sp>
+      <p:sp>
+        <p:nvSpPr>
+          <p:cNvPr id="8" name="Content Placeholder 7">
+            <a:extLst>
+              <a:ext uri="{FF2B5EF4-FFF2-40B4-BE49-F238E27FC236}">
+                <a16:creationId xmlns:a16="http://schemas.microsoft.com/office/drawing/2014/main" id="{FE291A2C-0A1A-CE44-52BE-45919E79A30C}"/>
+              </a:ext>
+            </a:extLst>
+          </p:cNvPr>
+          <p:cNvSpPr>
+            <a:spLocks noGrp="1"/>
+          </p:cNvSpPr>
+          <p:nvPr>
+            <p:ph idx="1"/>
+          </p:nvPr>
+        </p:nvSpPr>
+        <p:spPr/>
+        <p:txBody>
+          <a:bodyPr>
+            <a:normAutofit/>
+          </a:bodyPr>
+          <a:lstStyle/>
+          <a:p>
+            <a:pPr marL="285750" indent="-285750">
+              <a:buFont typeface="Arial" panose="020B0604020202020204" pitchFamily="34" charset="0"/>
+              <a:buChar char="•"/>
+            </a:pPr>
+            <a:r>
+              <a:rPr lang="en-US" dirty="0"/>
+              <a:t>Use the Ensemble Kalman filter to assimilate the data of two GPS tracking devices as a person walks around an area. This is a common scenario when someone has a wearable device and a phone.</a:t>
+            </a:r>
+          </a:p>
+          <a:p>
+            <a:pPr marL="285750" indent="-285750">
+              <a:buFont typeface="Arial" panose="020B0604020202020204" pitchFamily="34" charset="0"/>
+              <a:buChar char="•"/>
+            </a:pPr>
+            <a:r>
+              <a:rPr lang="en-US" dirty="0"/>
+              <a:t>The steps are as follows:</a:t>
+            </a:r>
+          </a:p>
+          <a:p>
+            <a:pPr marL="800100" lvl="1" indent="-342900">
+              <a:buFont typeface="+mj-lt"/>
+              <a:buAutoNum type="arabicPeriod"/>
+            </a:pPr>
+            <a:r>
+              <a:rPr lang="en-US" dirty="0"/>
+              <a:t>Record GPS Data</a:t>
+            </a:r>
+          </a:p>
+          <a:p>
+            <a:pPr marL="800100" lvl="1" indent="-342900">
+              <a:buFont typeface="+mj-lt"/>
+              <a:buAutoNum type="arabicPeriod"/>
+            </a:pPr>
+            <a:r>
+              <a:rPr lang="en-US" dirty="0"/>
+              <a:t>Preprocess</a:t>
+            </a:r>
+          </a:p>
+          <a:p>
+            <a:pPr marL="800100" lvl="1" indent="-342900">
+              <a:buFont typeface="+mj-lt"/>
+              <a:buAutoNum type="arabicPeriod"/>
+            </a:pPr>
+            <a:r>
+              <a:rPr lang="en-US" dirty="0"/>
+              <a:t>Create and run the </a:t>
+            </a:r>
+            <a:r>
+              <a:rPr lang="en-US" dirty="0" err="1"/>
+              <a:t>EnKF</a:t>
+            </a:r>
+            <a:endParaRPr lang="en-US" dirty="0"/>
+          </a:p>
+          <a:p>
+            <a:r>
+              <a:rPr lang="en-US" dirty="0"/>
+              <a:t>I will go through each of these steps</a:t>
+            </a:r>
+          </a:p>
+        </p:txBody>
+      </p:sp>
+      <p:pic>
+        <p:nvPicPr>
+          <p:cNvPr id="13" name="Picture 12" descr="A aerial view of a parking lot&#10;&#10;Description automatically generated">
+            <a:extLst>
+              <a:ext uri="{FF2B5EF4-FFF2-40B4-BE49-F238E27FC236}">
+                <a16:creationId xmlns:a16="http://schemas.microsoft.com/office/drawing/2014/main" id="{B871901C-6059-7A2F-F1C4-684710244647}"/>
+              </a:ext>
+            </a:extLst>
+          </p:cNvPr>
+          <p:cNvPicPr>
+            <a:picLocks noChangeAspect="1"/>
+          </p:cNvPicPr>
+          <p:nvPr/>
+        </p:nvPicPr>
+        <p:blipFill>
+          <a:blip r:embed="rId2">
+            <a:extLst>
+              <a:ext uri="{28A0092B-C50C-407E-A947-70E740481C1C}">
+                <a14:useLocalDpi xmlns:a14="http://schemas.microsoft.com/office/drawing/2010/main" val="0"/>
+              </a:ext>
+            </a:extLst>
+          </a:blip>
+          <a:stretch>
+            <a:fillRect/>
+          </a:stretch>
+        </p:blipFill>
+        <p:spPr>
+          <a:xfrm>
+            <a:off x="5541818" y="3206018"/>
+            <a:ext cx="2397373" cy="2355406"/>
+          </a:xfrm>
+          <a:prstGeom prst="rect">
+            <a:avLst/>
+          </a:prstGeom>
+        </p:spPr>
+      </p:pic>
+    </p:spTree>
+    <p:extLst>
+      <p:ext uri="{BB962C8B-B14F-4D97-AF65-F5344CB8AC3E}">
+        <p14:creationId xmlns:p14="http://schemas.microsoft.com/office/powerpoint/2010/main" val="1410611430"/>
+      </p:ext>
+    </p:extLst>
+  </p:cSld>
+  <p:clrMapOvr>
+    <a:masterClrMapping/>
+  </p:clrMapOvr>
+</p:sld>
+</file>
+
+<file path=ppt/slides/slide5.xml><?xml version="1.0" encoding="utf-8"?>
+<p:sld xmlns:a="http://schemas.openxmlformats.org/drawingml/2006/main" xmlns:r="http://schemas.openxmlformats.org/officeDocument/2006/relationships" xmlns:p="http://schemas.openxmlformats.org/presentationml/2006/main">
+  <p:cSld>
+    <p:spTree>
+      <p:nvGrpSpPr>
+        <p:cNvPr id="1" name=""/>
+        <p:cNvGrpSpPr/>
+        <p:nvPr/>
+      </p:nvGrpSpPr>
+      <p:grpSpPr>
+        <a:xfrm>
+          <a:off x="0" y="0"/>
+          <a:ext cx="0" cy="0"/>
+          <a:chOff x="0" y="0"/>
+          <a:chExt cx="0" cy="0"/>
+        </a:xfrm>
+      </p:grpSpPr>
+      <p:sp>
+        <p:nvSpPr>
+          <p:cNvPr id="2" name="Title 1">
+            <a:extLst>
+              <a:ext uri="{FF2B5EF4-FFF2-40B4-BE49-F238E27FC236}">
+                <a16:creationId xmlns:a16="http://schemas.microsoft.com/office/drawing/2014/main" id="{031F6980-ED62-2251-DE5A-4611904472FC}"/>
+              </a:ext>
+            </a:extLst>
+          </p:cNvPr>
+          <p:cNvSpPr>
+            <a:spLocks noGrp="1"/>
+          </p:cNvSpPr>
+          <p:nvPr>
+            <p:ph type="title"/>
+          </p:nvPr>
+        </p:nvSpPr>
+        <p:spPr/>
+        <p:txBody>
+          <a:bodyPr/>
+          <a:lstStyle/>
+          <a:p>
+            <a:r>
+              <a:rPr lang="en-US" dirty="0"/>
+              <a:t>Recording GPS</a:t>
+            </a:r>
+          </a:p>
+        </p:txBody>
+      </p:sp>
+      <p:sp>
+        <p:nvSpPr>
+          <p:cNvPr id="3" name="Content Placeholder 2">
+            <a:extLst>
+              <a:ext uri="{FF2B5EF4-FFF2-40B4-BE49-F238E27FC236}">
+                <a16:creationId xmlns:a16="http://schemas.microsoft.com/office/drawing/2014/main" id="{029266F7-D1E2-D0B7-2A8C-B2C8230ABA34}"/>
+              </a:ext>
+            </a:extLst>
+          </p:cNvPr>
+          <p:cNvSpPr>
+            <a:spLocks noGrp="1"/>
+          </p:cNvSpPr>
+          <p:nvPr>
+            <p:ph idx="1"/>
+          </p:nvPr>
+        </p:nvSpPr>
+        <p:spPr>
+          <a:xfrm>
+            <a:off x="1620445" y="2419639"/>
+            <a:ext cx="4475556" cy="3141785"/>
+          </a:xfrm>
+        </p:spPr>
+        <p:txBody>
+          <a:bodyPr/>
+          <a:lstStyle/>
+          <a:p>
+            <a:r>
+              <a:rPr lang="en-US" dirty="0"/>
+              <a:t>I downloaded an app, recorded my walk on two devices, and exported the data to csv.</a:t>
+            </a:r>
+          </a:p>
+          <a:p>
+            <a:r>
+              <a:rPr lang="en-US" dirty="0"/>
+              <a:t>I also recorded my position without moving for some time to establish a baseline variance (R matrix) for both devices.</a:t>
+            </a:r>
+          </a:p>
+        </p:txBody>
+      </p:sp>
+      <p:grpSp>
+        <p:nvGrpSpPr>
+          <p:cNvPr id="18" name="Group 17">
+            <a:extLst>
+              <a:ext uri="{FF2B5EF4-FFF2-40B4-BE49-F238E27FC236}">
+                <a16:creationId xmlns:a16="http://schemas.microsoft.com/office/drawing/2014/main" id="{2B2E4320-EB34-54B7-4044-D0B3DCC94E4B}"/>
+              </a:ext>
+            </a:extLst>
+          </p:cNvPr>
+          <p:cNvGrpSpPr/>
+          <p:nvPr/>
+        </p:nvGrpSpPr>
+        <p:grpSpPr>
+          <a:xfrm>
+            <a:off x="6663259" y="1025229"/>
+            <a:ext cx="3934694" cy="4807542"/>
+            <a:chOff x="6866457" y="1128229"/>
+            <a:chExt cx="3934694" cy="4807542"/>
+          </a:xfrm>
+        </p:grpSpPr>
+        <p:pic>
+          <p:nvPicPr>
+            <p:cNvPr id="17" name="Picture 16" descr="A graph with blue dots&#10;&#10;Description automatically generated">
+              <a:extLst>
+                <a:ext uri="{FF2B5EF4-FFF2-40B4-BE49-F238E27FC236}">
+                  <a16:creationId xmlns:a16="http://schemas.microsoft.com/office/drawing/2014/main" id="{C9E55D83-2434-4CA6-2703-B80DBA13D5FF}"/>
+                </a:ext>
+              </a:extLst>
+            </p:cNvPr>
+            <p:cNvPicPr>
+              <a:picLocks noChangeAspect="1"/>
+            </p:cNvPicPr>
+            <p:nvPr/>
+          </p:nvPicPr>
+          <p:blipFill rotWithShape="1">
+            <a:blip r:embed="rId2">
+              <a:extLst>
+                <a:ext uri="{28A0092B-C50C-407E-A947-70E740481C1C}">
+                  <a14:useLocalDpi xmlns:a14="http://schemas.microsoft.com/office/drawing/2010/main" val="0"/>
+                </a:ext>
+              </a:extLst>
+            </a:blip>
+            <a:srcRect l="4445" t="10690" r="9495"/>
+            <a:stretch/>
+          </p:blipFill>
+          <p:spPr>
+            <a:xfrm>
+              <a:off x="6866457" y="3485819"/>
+              <a:ext cx="3934694" cy="2449952"/>
+            </a:xfrm>
+            <a:prstGeom prst="rect">
+              <a:avLst/>
+            </a:prstGeom>
+          </p:spPr>
+        </p:pic>
+        <p:pic>
+          <p:nvPicPr>
+            <p:cNvPr id="15" name="Picture 14" descr="A graph with blue dots&#10;&#10;Description automatically generated">
+              <a:extLst>
+                <a:ext uri="{FF2B5EF4-FFF2-40B4-BE49-F238E27FC236}">
+                  <a16:creationId xmlns:a16="http://schemas.microsoft.com/office/drawing/2014/main" id="{C69F3BC9-F554-D1AD-9C9C-90C397ED7BC5}"/>
+                </a:ext>
+              </a:extLst>
+            </p:cNvPr>
+            <p:cNvPicPr>
+              <a:picLocks noChangeAspect="1"/>
+            </p:cNvPicPr>
+            <p:nvPr/>
+          </p:nvPicPr>
+          <p:blipFill rotWithShape="1">
+            <a:blip r:embed="rId3">
+              <a:extLst>
+                <a:ext uri="{28A0092B-C50C-407E-A947-70E740481C1C}">
+                  <a14:useLocalDpi xmlns:a14="http://schemas.microsoft.com/office/drawing/2010/main" val="0"/>
+                </a:ext>
+              </a:extLst>
+            </a:blip>
+            <a:srcRect l="4445" t="10691" r="9495" b="3367"/>
+            <a:stretch/>
+          </p:blipFill>
+          <p:spPr>
+            <a:xfrm>
+              <a:off x="6866457" y="1128229"/>
+              <a:ext cx="3934694" cy="2357590"/>
+            </a:xfrm>
+            <a:prstGeom prst="rect">
+              <a:avLst/>
+            </a:prstGeom>
+          </p:spPr>
+        </p:pic>
+      </p:grpSp>
+    </p:spTree>
+    <p:extLst>
+      <p:ext uri="{BB962C8B-B14F-4D97-AF65-F5344CB8AC3E}">
+        <p14:creationId xmlns:p14="http://schemas.microsoft.com/office/powerpoint/2010/main" val="699636553"/>
+      </p:ext>
+    </p:extLst>
+  </p:cSld>
+  <p:clrMapOvr>
+    <a:masterClrMapping/>
+  </p:clrMapOvr>
+</p:sld>
+</file>
+
+<file path=ppt/slides/slide6.xml><?xml version="1.0" encoding="utf-8"?>
+<p:sld xmlns:a="http://schemas.openxmlformats.org/drawingml/2006/main" xmlns:r="http://schemas.openxmlformats.org/officeDocument/2006/relationships" xmlns:p="http://schemas.openxmlformats.org/presentationml/2006/main">
+  <p:cSld>
+    <p:spTree>
+      <p:nvGrpSpPr>
+        <p:cNvPr id="1" name=""/>
+        <p:cNvGrpSpPr/>
+        <p:nvPr/>
+      </p:nvGrpSpPr>
+      <p:grpSpPr>
+        <a:xfrm>
+          <a:off x="0" y="0"/>
+          <a:ext cx="0" cy="0"/>
+          <a:chOff x="0" y="0"/>
+          <a:chExt cx="0" cy="0"/>
+        </a:xfrm>
+      </p:grpSpPr>
+      <p:sp>
+        <p:nvSpPr>
+          <p:cNvPr id="2" name="Title 1">
+            <a:extLst>
+              <a:ext uri="{FF2B5EF4-FFF2-40B4-BE49-F238E27FC236}">
+                <a16:creationId xmlns:a16="http://schemas.microsoft.com/office/drawing/2014/main" id="{34BD2F11-3921-2CA5-C99D-4E624DA803A2}"/>
+              </a:ext>
+            </a:extLst>
+          </p:cNvPr>
+          <p:cNvSpPr>
+            <a:spLocks noGrp="1"/>
+          </p:cNvSpPr>
+          <p:nvPr>
+            <p:ph type="title"/>
+          </p:nvPr>
+        </p:nvSpPr>
+        <p:spPr/>
+        <p:txBody>
+          <a:bodyPr/>
+          <a:lstStyle/>
+          <a:p>
+            <a:r>
+              <a:rPr lang="en-US" dirty="0"/>
+              <a:t>Preprocessing</a:t>
+            </a:r>
+          </a:p>
+        </p:txBody>
+      </p:sp>
+      <p:sp>
+        <p:nvSpPr>
+          <p:cNvPr id="3" name="Content Placeholder 2">
+            <a:extLst>
+              <a:ext uri="{FF2B5EF4-FFF2-40B4-BE49-F238E27FC236}">
+                <a16:creationId xmlns:a16="http://schemas.microsoft.com/office/drawing/2014/main" id="{95EF6FA6-1F2D-94A8-C3AA-97B4691DDF3F}"/>
+              </a:ext>
+            </a:extLst>
+          </p:cNvPr>
+          <p:cNvSpPr>
+            <a:spLocks noGrp="1"/>
+          </p:cNvSpPr>
+          <p:nvPr>
+            <p:ph idx="1"/>
+          </p:nvPr>
+        </p:nvSpPr>
+        <p:spPr>
+          <a:xfrm>
+            <a:off x="1620445" y="2419639"/>
+            <a:ext cx="5932500" cy="3205162"/>
+          </a:xfrm>
+        </p:spPr>
+        <p:txBody>
+          <a:bodyPr/>
+          <a:lstStyle/>
+          <a:p>
+            <a:r>
+              <a:rPr lang="en-US" dirty="0"/>
+              <a:t>Cleaned route data and removed unnecessary columns</a:t>
+            </a:r>
+          </a:p>
+          <a:p>
+            <a:r>
+              <a:rPr lang="en-US" dirty="0"/>
+              <a:t>Interpolated the routes to allow for synchronization of observation times.</a:t>
+            </a:r>
+          </a:p>
+          <a:p>
+            <a:r>
+              <a:rPr lang="en-US" dirty="0"/>
+              <a:t>Created the R matrix by finding the variance and covariances for each sensor using the stationary data. Included covariances on the off-diagonals as I believed in this case the errors in Latitude and Longitude would be correlated.</a:t>
+            </a:r>
+          </a:p>
+          <a:p>
+            <a:endParaRPr lang="en-US" dirty="0"/>
+          </a:p>
+        </p:txBody>
+      </p:sp>
+      <p:grpSp>
+        <p:nvGrpSpPr>
+          <p:cNvPr id="9" name="Group 8">
+            <a:extLst>
+              <a:ext uri="{FF2B5EF4-FFF2-40B4-BE49-F238E27FC236}">
+                <a16:creationId xmlns:a16="http://schemas.microsoft.com/office/drawing/2014/main" id="{857BB124-564A-582D-E1B7-FA8001621509}"/>
+              </a:ext>
+            </a:extLst>
+          </p:cNvPr>
+          <p:cNvGrpSpPr/>
+          <p:nvPr/>
+        </p:nvGrpSpPr>
+        <p:grpSpPr>
+          <a:xfrm>
+            <a:off x="8277594" y="1096170"/>
+            <a:ext cx="2799397" cy="4665661"/>
+            <a:chOff x="7838937" y="1049341"/>
+            <a:chExt cx="3283381" cy="5481192"/>
+          </a:xfrm>
+        </p:grpSpPr>
+        <p:pic>
+          <p:nvPicPr>
+            <p:cNvPr id="6" name="Picture 5">
+              <a:extLst>
+                <a:ext uri="{FF2B5EF4-FFF2-40B4-BE49-F238E27FC236}">
+                  <a16:creationId xmlns:a16="http://schemas.microsoft.com/office/drawing/2014/main" id="{5F6B338F-28EA-116C-18B0-53024B208D06}"/>
+                </a:ext>
+              </a:extLst>
+            </p:cNvPr>
+            <p:cNvPicPr>
+              <a:picLocks noChangeAspect="1"/>
+            </p:cNvPicPr>
+            <p:nvPr/>
+          </p:nvPicPr>
+          <p:blipFill>
+            <a:blip r:embed="rId2">
+              <a:extLst>
+                <a:ext uri="{28A0092B-C50C-407E-A947-70E740481C1C}">
+                  <a14:useLocalDpi xmlns:a14="http://schemas.microsoft.com/office/drawing/2010/main" val="0"/>
+                </a:ext>
+              </a:extLst>
+            </a:blip>
+            <a:srcRect/>
+            <a:stretch/>
+          </p:blipFill>
+          <p:spPr>
+            <a:xfrm>
+              <a:off x="7838938" y="3789937"/>
+              <a:ext cx="3283380" cy="2740596"/>
+            </a:xfrm>
+            <a:prstGeom prst="rect">
+              <a:avLst/>
+            </a:prstGeom>
+          </p:spPr>
+        </p:pic>
+        <p:pic>
+          <p:nvPicPr>
+            <p:cNvPr id="8" name="Picture 7">
+              <a:extLst>
+                <a:ext uri="{FF2B5EF4-FFF2-40B4-BE49-F238E27FC236}">
+                  <a16:creationId xmlns:a16="http://schemas.microsoft.com/office/drawing/2014/main" id="{28D56631-FE04-FF4B-98E9-1AC07057E721}"/>
+                </a:ext>
+              </a:extLst>
+            </p:cNvPr>
+            <p:cNvPicPr>
+              <a:picLocks noChangeAspect="1"/>
+            </p:cNvPicPr>
+            <p:nvPr/>
+          </p:nvPicPr>
+          <p:blipFill>
+            <a:blip r:embed="rId3">
+              <a:extLst>
+                <a:ext uri="{28A0092B-C50C-407E-A947-70E740481C1C}">
+                  <a14:useLocalDpi xmlns:a14="http://schemas.microsoft.com/office/drawing/2010/main" val="0"/>
+                </a:ext>
+              </a:extLst>
+            </a:blip>
+            <a:srcRect/>
+            <a:stretch/>
+          </p:blipFill>
+          <p:spPr>
+            <a:xfrm>
+              <a:off x="7838937" y="1049341"/>
+              <a:ext cx="3283380" cy="2740596"/>
+            </a:xfrm>
+            <a:prstGeom prst="rect">
+              <a:avLst/>
+            </a:prstGeom>
+          </p:spPr>
+        </p:pic>
+      </p:grpSp>
+    </p:spTree>
+    <p:extLst>
+      <p:ext uri="{BB962C8B-B14F-4D97-AF65-F5344CB8AC3E}">
+        <p14:creationId xmlns:p14="http://schemas.microsoft.com/office/powerpoint/2010/main" val="1286145503"/>
+      </p:ext>
+    </p:extLst>
+  </p:cSld>
+  <p:clrMapOvr>
+    <a:masterClrMapping/>
+  </p:clrMapOvr>
+</p:sld>
+</file>
+
+<file path=ppt/slides/slide7.xml><?xml version="1.0" encoding="utf-8"?>
+<p:sld xmlns:a="http://schemas.openxmlformats.org/drawingml/2006/main" xmlns:r="http://schemas.openxmlformats.org/officeDocument/2006/relationships" xmlns:p="http://schemas.openxmlformats.org/presentationml/2006/main">
+  <p:cSld>
+    <p:spTree>
+      <p:nvGrpSpPr>
+        <p:cNvPr id="1" name=""/>
+        <p:cNvGrpSpPr/>
+        <p:nvPr/>
+      </p:nvGrpSpPr>
+      <p:grpSpPr>
+        <a:xfrm>
+          <a:off x="0" y="0"/>
+          <a:ext cx="0" cy="0"/>
+          <a:chOff x="0" y="0"/>
+          <a:chExt cx="0" cy="0"/>
+        </a:xfrm>
+      </p:grpSpPr>
+      <p:sp>
+        <p:nvSpPr>
+          <p:cNvPr id="2" name="Title 1">
+            <a:extLst>
+              <a:ext uri="{FF2B5EF4-FFF2-40B4-BE49-F238E27FC236}">
+                <a16:creationId xmlns:a16="http://schemas.microsoft.com/office/drawing/2014/main" id="{E38D5E5B-43B6-9EAB-48A7-DD4DA77FB0B4}"/>
+              </a:ext>
+            </a:extLst>
+          </p:cNvPr>
+          <p:cNvSpPr>
+            <a:spLocks noGrp="1"/>
+          </p:cNvSpPr>
+          <p:nvPr>
+            <p:ph type="title"/>
+          </p:nvPr>
+        </p:nvSpPr>
+        <p:spPr>
+          <a:xfrm>
+            <a:off x="1504974" y="1233199"/>
+            <a:ext cx="9303234" cy="1073825"/>
+          </a:xfrm>
+        </p:spPr>
+        <p:txBody>
+          <a:bodyPr/>
+          <a:lstStyle/>
+          <a:p>
+            <a:r>
+              <a:rPr lang="en-US" dirty="0"/>
+              <a:t>Formulating </a:t>
+            </a:r>
+            <a:r>
+              <a:rPr lang="en-US" dirty="0" err="1"/>
+              <a:t>EnKF</a:t>
+            </a:r>
+            <a:r>
+              <a:rPr lang="en-US" dirty="0"/>
+              <a:t> Inputs</a:t>
+            </a:r>
+          </a:p>
+        </p:txBody>
+      </p:sp>
+      <p:sp>
+        <p:nvSpPr>
+          <p:cNvPr id="3" name="Content Placeholder 2">
+            <a:extLst>
+              <a:ext uri="{FF2B5EF4-FFF2-40B4-BE49-F238E27FC236}">
+                <a16:creationId xmlns:a16="http://schemas.microsoft.com/office/drawing/2014/main" id="{194E4C55-5973-4E6A-E8A1-CD71DABA43FF}"/>
+              </a:ext>
+            </a:extLst>
+          </p:cNvPr>
+          <p:cNvSpPr>
+            <a:spLocks noGrp="1"/>
+          </p:cNvSpPr>
+          <p:nvPr>
+            <p:ph idx="1"/>
+          </p:nvPr>
+        </p:nvSpPr>
+        <p:spPr>
+          <a:xfrm>
+            <a:off x="1504973" y="2419639"/>
+            <a:ext cx="9303235" cy="3141785"/>
+          </a:xfrm>
+        </p:spPr>
+        <p:txBody>
+          <a:bodyPr>
+            <a:normAutofit lnSpcReduction="10000"/>
+          </a:bodyPr>
+          <a:lstStyle/>
+          <a:p>
+            <a:r>
+              <a:rPr lang="en-US" dirty="0"/>
+              <a:t>R – Matrix: The latitude</a:t>
+            </a:r>
+          </a:p>
+          <a:p>
+            <a:pPr marL="0" indent="0">
+              <a:buNone/>
+            </a:pPr>
+            <a:r>
+              <a:rPr lang="en-US" dirty="0"/>
+              <a:t>and longitude errors must be correlated given</a:t>
+            </a:r>
+          </a:p>
+          <a:p>
+            <a:pPr marL="0" indent="0">
+              <a:buNone/>
+            </a:pPr>
+            <a:r>
+              <a:rPr lang="en-US" dirty="0"/>
+              <a:t>that I am using satellite data which is affected by satellite position and interference, which both affect the longitude and latitude readings. included covariances on the off-diagonals for each sensor.</a:t>
+            </a:r>
+          </a:p>
+          <a:p>
+            <a:r>
+              <a:rPr lang="en-US" dirty="0"/>
+              <a:t>Q – Initialized with a diagonally matrix of 0.1s</a:t>
+            </a:r>
+          </a:p>
+          <a:p>
+            <a:r>
+              <a:rPr lang="en-US" dirty="0"/>
+              <a:t>H – Maps the observations (4x1) to the state (2x1), so I used </a:t>
+            </a:r>
+            <a:r>
+              <a:rPr lang="en-US" b="0" dirty="0">
+                <a:solidFill>
+                  <a:srgbClr val="CCCCCC"/>
+                </a:solidFill>
+                <a:effectLst/>
+                <a:highlight>
+                  <a:srgbClr val="1F1F1F"/>
+                </a:highlight>
+                <a:latin typeface="Consolas" panose="020B0609020204030204" pitchFamily="49" charset="0"/>
+              </a:rPr>
+              <a:t>[[</a:t>
+            </a:r>
+            <a:r>
+              <a:rPr lang="en-US" b="0" dirty="0">
+                <a:solidFill>
+                  <a:srgbClr val="B5CEA8"/>
+                </a:solidFill>
+                <a:effectLst/>
+                <a:highlight>
+                  <a:srgbClr val="1F1F1F"/>
+                </a:highlight>
+                <a:latin typeface="Consolas" panose="020B0609020204030204" pitchFamily="49" charset="0"/>
+              </a:rPr>
+              <a:t>1</a:t>
+            </a:r>
+            <a:r>
+              <a:rPr lang="en-US" b="0" dirty="0">
+                <a:solidFill>
+                  <a:srgbClr val="CCCCCC"/>
+                </a:solidFill>
+                <a:effectLst/>
+                <a:highlight>
+                  <a:srgbClr val="1F1F1F"/>
+                </a:highlight>
+                <a:latin typeface="Consolas" panose="020B0609020204030204" pitchFamily="49" charset="0"/>
+              </a:rPr>
+              <a:t>,</a:t>
+            </a:r>
+            <a:r>
+              <a:rPr lang="en-US" b="0" dirty="0">
+                <a:solidFill>
+                  <a:srgbClr val="B5CEA8"/>
+                </a:solidFill>
+                <a:effectLst/>
+                <a:highlight>
+                  <a:srgbClr val="1F1F1F"/>
+                </a:highlight>
+                <a:latin typeface="Consolas" panose="020B0609020204030204" pitchFamily="49" charset="0"/>
+              </a:rPr>
+              <a:t>0</a:t>
+            </a:r>
+            <a:r>
+              <a:rPr lang="en-US" b="0" dirty="0">
+                <a:solidFill>
+                  <a:srgbClr val="CCCCCC"/>
+                </a:solidFill>
+                <a:effectLst/>
+                <a:highlight>
+                  <a:srgbClr val="1F1F1F"/>
+                </a:highlight>
+                <a:latin typeface="Consolas" panose="020B0609020204030204" pitchFamily="49" charset="0"/>
+              </a:rPr>
+              <a:t>],[</a:t>
+            </a:r>
+            <a:r>
+              <a:rPr lang="en-US" b="0" dirty="0">
+                <a:solidFill>
+                  <a:srgbClr val="B5CEA8"/>
+                </a:solidFill>
+                <a:effectLst/>
+                <a:highlight>
+                  <a:srgbClr val="1F1F1F"/>
+                </a:highlight>
+                <a:latin typeface="Consolas" panose="020B0609020204030204" pitchFamily="49" charset="0"/>
+              </a:rPr>
+              <a:t>0</a:t>
+            </a:r>
+            <a:r>
+              <a:rPr lang="en-US" b="0" dirty="0">
+                <a:solidFill>
+                  <a:srgbClr val="CCCCCC"/>
+                </a:solidFill>
+                <a:effectLst/>
+                <a:highlight>
+                  <a:srgbClr val="1F1F1F"/>
+                </a:highlight>
+                <a:latin typeface="Consolas" panose="020B0609020204030204" pitchFamily="49" charset="0"/>
+              </a:rPr>
+              <a:t>,</a:t>
+            </a:r>
+            <a:r>
+              <a:rPr lang="en-US" b="0" dirty="0">
+                <a:solidFill>
+                  <a:srgbClr val="B5CEA8"/>
+                </a:solidFill>
+                <a:effectLst/>
+                <a:highlight>
+                  <a:srgbClr val="1F1F1F"/>
+                </a:highlight>
+                <a:latin typeface="Consolas" panose="020B0609020204030204" pitchFamily="49" charset="0"/>
+              </a:rPr>
+              <a:t>1</a:t>
+            </a:r>
+            <a:r>
+              <a:rPr lang="en-US" b="0" dirty="0">
+                <a:solidFill>
+                  <a:srgbClr val="CCCCCC"/>
+                </a:solidFill>
+                <a:effectLst/>
+                <a:highlight>
+                  <a:srgbClr val="1F1F1F"/>
+                </a:highlight>
+                <a:latin typeface="Consolas" panose="020B0609020204030204" pitchFamily="49" charset="0"/>
+              </a:rPr>
+              <a:t>],[</a:t>
+            </a:r>
+            <a:r>
+              <a:rPr lang="en-US" b="0" dirty="0">
+                <a:solidFill>
+                  <a:srgbClr val="B5CEA8"/>
+                </a:solidFill>
+                <a:effectLst/>
+                <a:highlight>
+                  <a:srgbClr val="1F1F1F"/>
+                </a:highlight>
+                <a:latin typeface="Consolas" panose="020B0609020204030204" pitchFamily="49" charset="0"/>
+              </a:rPr>
+              <a:t>1</a:t>
+            </a:r>
+            <a:r>
+              <a:rPr lang="en-US" b="0" dirty="0">
+                <a:solidFill>
+                  <a:srgbClr val="CCCCCC"/>
+                </a:solidFill>
+                <a:effectLst/>
+                <a:highlight>
+                  <a:srgbClr val="1F1F1F"/>
+                </a:highlight>
+                <a:latin typeface="Consolas" panose="020B0609020204030204" pitchFamily="49" charset="0"/>
+              </a:rPr>
+              <a:t>,</a:t>
+            </a:r>
+            <a:r>
+              <a:rPr lang="en-US" b="0" dirty="0">
+                <a:solidFill>
+                  <a:srgbClr val="B5CEA8"/>
+                </a:solidFill>
+                <a:effectLst/>
+                <a:highlight>
+                  <a:srgbClr val="1F1F1F"/>
+                </a:highlight>
+                <a:latin typeface="Consolas" panose="020B0609020204030204" pitchFamily="49" charset="0"/>
+              </a:rPr>
+              <a:t>0</a:t>
+            </a:r>
+            <a:r>
+              <a:rPr lang="en-US" b="0" dirty="0">
+                <a:solidFill>
+                  <a:srgbClr val="CCCCCC"/>
+                </a:solidFill>
+                <a:effectLst/>
+                <a:highlight>
+                  <a:srgbClr val="1F1F1F"/>
+                </a:highlight>
+                <a:latin typeface="Consolas" panose="020B0609020204030204" pitchFamily="49" charset="0"/>
+              </a:rPr>
+              <a:t>],[</a:t>
+            </a:r>
+            <a:r>
+              <a:rPr lang="en-US" b="0" dirty="0">
+                <a:solidFill>
+                  <a:srgbClr val="B5CEA8"/>
+                </a:solidFill>
+                <a:effectLst/>
+                <a:highlight>
+                  <a:srgbClr val="1F1F1F"/>
+                </a:highlight>
+                <a:latin typeface="Consolas" panose="020B0609020204030204" pitchFamily="49" charset="0"/>
+              </a:rPr>
+              <a:t>0</a:t>
+            </a:r>
+            <a:r>
+              <a:rPr lang="en-US" b="0" dirty="0">
+                <a:solidFill>
+                  <a:srgbClr val="CCCCCC"/>
+                </a:solidFill>
+                <a:effectLst/>
+                <a:highlight>
+                  <a:srgbClr val="1F1F1F"/>
+                </a:highlight>
+                <a:latin typeface="Consolas" panose="020B0609020204030204" pitchFamily="49" charset="0"/>
+              </a:rPr>
+              <a:t>,</a:t>
+            </a:r>
+            <a:r>
+              <a:rPr lang="en-US" b="0" dirty="0">
+                <a:solidFill>
+                  <a:srgbClr val="B5CEA8"/>
+                </a:solidFill>
+                <a:effectLst/>
+                <a:highlight>
+                  <a:srgbClr val="1F1F1F"/>
+                </a:highlight>
+                <a:latin typeface="Consolas" panose="020B0609020204030204" pitchFamily="49" charset="0"/>
+              </a:rPr>
+              <a:t>1</a:t>
+            </a:r>
+            <a:r>
+              <a:rPr lang="en-US" b="0" dirty="0">
+                <a:solidFill>
+                  <a:srgbClr val="CCCCCC"/>
+                </a:solidFill>
+                <a:effectLst/>
+                <a:highlight>
+                  <a:srgbClr val="1F1F1F"/>
+                </a:highlight>
+                <a:latin typeface="Consolas" panose="020B0609020204030204" pitchFamily="49" charset="0"/>
+              </a:rPr>
+              <a:t>]]</a:t>
+            </a:r>
+          </a:p>
+          <a:p>
+            <a:endParaRPr lang="en-US" b="0" dirty="0">
+              <a:solidFill>
+                <a:srgbClr val="CCCCCC"/>
+              </a:solidFill>
+              <a:effectLst/>
+              <a:highlight>
+                <a:srgbClr val="1F1F1F"/>
+              </a:highlight>
+              <a:latin typeface="Consolas" panose="020B0609020204030204" pitchFamily="49" charset="0"/>
+            </a:endParaRPr>
+          </a:p>
+          <a:p>
+            <a:endParaRPr lang="en-US" dirty="0"/>
+          </a:p>
+        </p:txBody>
+      </p:sp>
+      <p:pic>
+        <p:nvPicPr>
+          <p:cNvPr id="10" name="Picture 9">
+            <a:extLst>
+              <a:ext uri="{FF2B5EF4-FFF2-40B4-BE49-F238E27FC236}">
+                <a16:creationId xmlns:a16="http://schemas.microsoft.com/office/drawing/2014/main" id="{0F56FFCE-1A68-B422-2AC9-1913AEE90D1D}"/>
+              </a:ext>
+            </a:extLst>
+          </p:cNvPr>
+          <p:cNvPicPr>
+            <a:picLocks noChangeAspect="1"/>
+          </p:cNvPicPr>
+          <p:nvPr/>
+        </p:nvPicPr>
+        <p:blipFill rotWithShape="1">
+          <a:blip r:embed="rId2"/>
+          <a:srcRect t="16274"/>
+          <a:stretch/>
+        </p:blipFill>
+        <p:spPr>
+          <a:xfrm>
+            <a:off x="6228074" y="2419639"/>
+            <a:ext cx="4458953" cy="748044"/>
+          </a:xfrm>
+          <a:prstGeom prst="rect">
+            <a:avLst/>
+          </a:prstGeom>
+        </p:spPr>
+      </p:pic>
+    </p:spTree>
+    <p:extLst>
+      <p:ext uri="{BB962C8B-B14F-4D97-AF65-F5344CB8AC3E}">
+        <p14:creationId xmlns:p14="http://schemas.microsoft.com/office/powerpoint/2010/main" val="3657905134"/>
+      </p:ext>
+    </p:extLst>
+  </p:cSld>
+  <p:clrMapOvr>
+    <a:masterClrMapping/>
+  </p:clrMapOvr>
+</p:sld>
+</file>
+
+<file path=ppt/slides/slide8.xml><?xml version="1.0" encoding="utf-8"?>
+<p:sld xmlns:a="http://schemas.openxmlformats.org/drawingml/2006/main" xmlns:r="http://schemas.openxmlformats.org/officeDocument/2006/relationships" xmlns:p="http://schemas.openxmlformats.org/presentationml/2006/main">
+  <p:cSld>
+    <p:spTree>
+      <p:nvGrpSpPr>
+        <p:cNvPr id="1" name=""/>
+        <p:cNvGrpSpPr/>
+        <p:nvPr/>
+      </p:nvGrpSpPr>
+      <p:grpSpPr>
+        <a:xfrm>
+          <a:off x="0" y="0"/>
+          <a:ext cx="0" cy="0"/>
+          <a:chOff x="0" y="0"/>
+          <a:chExt cx="0" cy="0"/>
+        </a:xfrm>
+      </p:grpSpPr>
+      <p:sp>
+        <p:nvSpPr>
+          <p:cNvPr id="2" name="Title 1">
+            <a:extLst>
+              <a:ext uri="{FF2B5EF4-FFF2-40B4-BE49-F238E27FC236}">
+                <a16:creationId xmlns:a16="http://schemas.microsoft.com/office/drawing/2014/main" id="{E22279CC-1F4C-CD16-78E4-605F9AD5EBBB}"/>
+              </a:ext>
+            </a:extLst>
+          </p:cNvPr>
+          <p:cNvSpPr>
+            <a:spLocks noGrp="1"/>
+          </p:cNvSpPr>
+          <p:nvPr>
+            <p:ph type="title"/>
+          </p:nvPr>
+        </p:nvSpPr>
+        <p:spPr>
+          <a:xfrm>
+            <a:off x="1620442" y="1214911"/>
+            <a:ext cx="8977511" cy="1073825"/>
+          </a:xfrm>
+        </p:spPr>
+        <p:txBody>
+          <a:bodyPr anchor="t"/>
+          <a:lstStyle/>
+          <a:p>
+            <a:pPr algn="ctr"/>
+            <a:r>
+              <a:rPr lang="en-US" dirty="0"/>
+              <a:t>Results</a:t>
+            </a:r>
+          </a:p>
+        </p:txBody>
+      </p:sp>
+      <p:pic>
+        <p:nvPicPr>
+          <p:cNvPr id="5" name="Content Placeholder 4" descr="A diagram of a number of individuals&#10;&#10;Description automatically generated with medium confidence">
+            <a:extLst>
+              <a:ext uri="{FF2B5EF4-FFF2-40B4-BE49-F238E27FC236}">
+                <a16:creationId xmlns:a16="http://schemas.microsoft.com/office/drawing/2014/main" id="{DE695BFA-2D35-C572-9DD5-F08EB9A21021}"/>
+              </a:ext>
+            </a:extLst>
+          </p:cNvPr>
+          <p:cNvPicPr>
+            <a:picLocks noGrp="1" noChangeAspect="1"/>
+          </p:cNvPicPr>
+          <p:nvPr>
+            <p:ph idx="1"/>
+          </p:nvPr>
+        </p:nvPicPr>
+        <p:blipFill>
+          <a:blip r:embed="rId2">
+            <a:extLst>
+              <a:ext uri="{28A0092B-C50C-407E-A947-70E740481C1C}">
+                <a14:useLocalDpi xmlns:a14="http://schemas.microsoft.com/office/drawing/2010/main" val="0"/>
+              </a:ext>
+            </a:extLst>
+          </a:blip>
+          <a:stretch>
+            <a:fillRect/>
+          </a:stretch>
+        </p:blipFill>
+        <p:spPr>
+          <a:xfrm>
+            <a:off x="1376315" y="2014416"/>
+            <a:ext cx="2733867" cy="1640321"/>
+          </a:xfrm>
+        </p:spPr>
+      </p:pic>
+      <p:pic>
+        <p:nvPicPr>
+          <p:cNvPr id="7" name="Picture 6" descr="A diagram of a graph&#10;&#10;Description automatically generated with medium confidence">
+            <a:extLst>
+              <a:ext uri="{FF2B5EF4-FFF2-40B4-BE49-F238E27FC236}">
+                <a16:creationId xmlns:a16="http://schemas.microsoft.com/office/drawing/2014/main" id="{EB421DA3-8D6A-1C41-FDB8-33E5BF81589F}"/>
+              </a:ext>
+            </a:extLst>
+          </p:cNvPr>
+          <p:cNvPicPr>
+            <a:picLocks noChangeAspect="1"/>
+          </p:cNvPicPr>
+          <p:nvPr/>
+        </p:nvPicPr>
+        <p:blipFill>
+          <a:blip r:embed="rId3">
+            <a:extLst>
+              <a:ext uri="{28A0092B-C50C-407E-A947-70E740481C1C}">
+                <a14:useLocalDpi xmlns:a14="http://schemas.microsoft.com/office/drawing/2010/main" val="0"/>
+              </a:ext>
+            </a:extLst>
+          </a:blip>
+          <a:stretch>
+            <a:fillRect/>
+          </a:stretch>
+        </p:blipFill>
+        <p:spPr>
+          <a:xfrm>
+            <a:off x="4742263" y="2014417"/>
+            <a:ext cx="2733867" cy="1640320"/>
+          </a:xfrm>
+          <a:prstGeom prst="rect">
+            <a:avLst/>
+          </a:prstGeom>
+        </p:spPr>
+      </p:pic>
+      <p:pic>
+        <p:nvPicPr>
+          <p:cNvPr id="9" name="Picture 8" descr="A diagram of a path&#10;&#10;Description automatically generated with medium confidence">
+            <a:extLst>
+              <a:ext uri="{FF2B5EF4-FFF2-40B4-BE49-F238E27FC236}">
+                <a16:creationId xmlns:a16="http://schemas.microsoft.com/office/drawing/2014/main" id="{EED206C6-C079-E101-9E47-9E98FA5909D7}"/>
+              </a:ext>
+            </a:extLst>
+          </p:cNvPr>
+          <p:cNvPicPr>
+            <a:picLocks noChangeAspect="1"/>
+          </p:cNvPicPr>
+          <p:nvPr/>
+        </p:nvPicPr>
+        <p:blipFill>
+          <a:blip r:embed="rId4">
+            <a:extLst>
+              <a:ext uri="{28A0092B-C50C-407E-A947-70E740481C1C}">
+                <a14:useLocalDpi xmlns:a14="http://schemas.microsoft.com/office/drawing/2010/main" val="0"/>
+              </a:ext>
+            </a:extLst>
+          </a:blip>
+          <a:stretch>
+            <a:fillRect/>
+          </a:stretch>
+        </p:blipFill>
+        <p:spPr>
+          <a:xfrm>
+            <a:off x="8108214" y="2014417"/>
+            <a:ext cx="2733866" cy="1640320"/>
+          </a:xfrm>
+          <a:prstGeom prst="rect">
+            <a:avLst/>
+          </a:prstGeom>
+        </p:spPr>
+      </p:pic>
+      <p:pic>
+        <p:nvPicPr>
+          <p:cNvPr id="11" name="Picture 10" descr="A map of a path&#10;&#10;Description automatically generated with medium confidence">
+            <a:extLst>
+              <a:ext uri="{FF2B5EF4-FFF2-40B4-BE49-F238E27FC236}">
+                <a16:creationId xmlns:a16="http://schemas.microsoft.com/office/drawing/2014/main" id="{1BF3034D-26CA-F20E-7094-E628883CC77C}"/>
+              </a:ext>
+            </a:extLst>
+          </p:cNvPr>
+          <p:cNvPicPr>
+            <a:picLocks noChangeAspect="1"/>
+          </p:cNvPicPr>
+          <p:nvPr/>
+        </p:nvPicPr>
+        <p:blipFill>
+          <a:blip r:embed="rId5">
+            <a:extLst>
+              <a:ext uri="{28A0092B-C50C-407E-A947-70E740481C1C}">
+                <a14:useLocalDpi xmlns:a14="http://schemas.microsoft.com/office/drawing/2010/main" val="0"/>
+              </a:ext>
+            </a:extLst>
+          </a:blip>
+          <a:stretch>
+            <a:fillRect/>
+          </a:stretch>
+        </p:blipFill>
+        <p:spPr>
+          <a:xfrm>
+            <a:off x="1376316" y="4002769"/>
+            <a:ext cx="2733866" cy="1640320"/>
+          </a:xfrm>
+          <a:prstGeom prst="rect">
+            <a:avLst/>
+          </a:prstGeom>
+        </p:spPr>
+      </p:pic>
+      <p:pic>
+        <p:nvPicPr>
+          <p:cNvPr id="13" name="Picture 12" descr="A map of a group of people&#10;&#10;Description automatically generated with medium confidence">
+            <a:extLst>
+              <a:ext uri="{FF2B5EF4-FFF2-40B4-BE49-F238E27FC236}">
+                <a16:creationId xmlns:a16="http://schemas.microsoft.com/office/drawing/2014/main" id="{8D57B66A-5923-C349-D7EA-E704CB463ED8}"/>
+              </a:ext>
+            </a:extLst>
+          </p:cNvPr>
+          <p:cNvPicPr>
+            <a:picLocks noChangeAspect="1"/>
+          </p:cNvPicPr>
+          <p:nvPr/>
+        </p:nvPicPr>
+        <p:blipFill>
+          <a:blip r:embed="rId6">
+            <a:extLst>
+              <a:ext uri="{28A0092B-C50C-407E-A947-70E740481C1C}">
+                <a14:useLocalDpi xmlns:a14="http://schemas.microsoft.com/office/drawing/2010/main" val="0"/>
+              </a:ext>
+            </a:extLst>
+          </a:blip>
+          <a:stretch>
+            <a:fillRect/>
+          </a:stretch>
+        </p:blipFill>
+        <p:spPr>
+          <a:xfrm>
+            <a:off x="4742264" y="4002769"/>
+            <a:ext cx="2733866" cy="1640320"/>
+          </a:xfrm>
+          <a:prstGeom prst="rect">
+            <a:avLst/>
+          </a:prstGeom>
+        </p:spPr>
+      </p:pic>
+      <p:pic>
+        <p:nvPicPr>
+          <p:cNvPr id="15" name="Picture 14" descr="A map of a group of people&#10;&#10;Description automatically generated with medium confidence">
+            <a:extLst>
+              <a:ext uri="{FF2B5EF4-FFF2-40B4-BE49-F238E27FC236}">
+                <a16:creationId xmlns:a16="http://schemas.microsoft.com/office/drawing/2014/main" id="{BD6A95EE-1068-D478-DDCD-4300D769A873}"/>
+              </a:ext>
+            </a:extLst>
+          </p:cNvPr>
+          <p:cNvPicPr>
+            <a:picLocks noChangeAspect="1"/>
+          </p:cNvPicPr>
+          <p:nvPr/>
+        </p:nvPicPr>
+        <p:blipFill>
+          <a:blip r:embed="rId7">
+            <a:extLst>
+              <a:ext uri="{28A0092B-C50C-407E-A947-70E740481C1C}">
+                <a14:useLocalDpi xmlns:a14="http://schemas.microsoft.com/office/drawing/2010/main" val="0"/>
+              </a:ext>
+            </a:extLst>
+          </a:blip>
+          <a:stretch>
+            <a:fillRect/>
+          </a:stretch>
+        </p:blipFill>
+        <p:spPr>
+          <a:xfrm>
+            <a:off x="8108214" y="4002769"/>
+            <a:ext cx="2733866" cy="1640320"/>
+          </a:xfrm>
+          <a:prstGeom prst="rect">
+            <a:avLst/>
+          </a:prstGeom>
+        </p:spPr>
+      </p:pic>
+    </p:spTree>
+    <p:extLst>
+      <p:ext uri="{BB962C8B-B14F-4D97-AF65-F5344CB8AC3E}">
+        <p14:creationId xmlns:p14="http://schemas.microsoft.com/office/powerpoint/2010/main" val="2088534005"/>
+      </p:ext>
+    </p:extLst>
+  </p:cSld>
+  <p:clrMapOvr>
+    <a:masterClrMapping/>
+  </p:clrMapOvr>
+</p:sld>
+</file>
+
+<file path=ppt/slides/slide9.xml><?xml version="1.0" encoding="utf-8"?>
+<p:sld xmlns:a="http://schemas.openxmlformats.org/drawingml/2006/main" xmlns:r="http://schemas.openxmlformats.org/officeDocument/2006/relationships" xmlns:p="http://schemas.openxmlformats.org/presentationml/2006/main">
+  <p:cSld>
+    <p:spTree>
+      <p:nvGrpSpPr>
+        <p:cNvPr id="1" name=""/>
+        <p:cNvGrpSpPr/>
+        <p:nvPr/>
+      </p:nvGrpSpPr>
+      <p:grpSpPr>
+        <a:xfrm>
+          <a:off x="0" y="0"/>
+          <a:ext cx="0" cy="0"/>
+          <a:chOff x="0" y="0"/>
+          <a:chExt cx="0" cy="0"/>
+        </a:xfrm>
+      </p:grpSpPr>
+      <p:sp>
+        <p:nvSpPr>
+          <p:cNvPr id="2" name="Title 1">
+            <a:extLst>
+              <a:ext uri="{FF2B5EF4-FFF2-40B4-BE49-F238E27FC236}">
+                <a16:creationId xmlns:a16="http://schemas.microsoft.com/office/drawing/2014/main" id="{FB9B82E5-ACBB-DFCB-45E7-06C9B76914B4}"/>
+              </a:ext>
+            </a:extLst>
+          </p:cNvPr>
+          <p:cNvSpPr>
+            <a:spLocks noGrp="1"/>
+          </p:cNvSpPr>
+          <p:nvPr>
+            <p:ph type="title"/>
+          </p:nvPr>
+        </p:nvSpPr>
+        <p:spPr/>
+        <p:txBody>
+          <a:bodyPr/>
+          <a:lstStyle/>
+          <a:p>
+            <a:endParaRPr lang="en-US"/>
+          </a:p>
+        </p:txBody>
+      </p:sp>
+      <p:pic>
+        <p:nvPicPr>
+          <p:cNvPr id="5" name="Content Placeholder 4" descr="A map of a river&#10;&#10;Description automatically generated with medium confidence">
+            <a:extLst>
+              <a:ext uri="{FF2B5EF4-FFF2-40B4-BE49-F238E27FC236}">
+                <a16:creationId xmlns:a16="http://schemas.microsoft.com/office/drawing/2014/main" id="{9590B13B-E6E1-0A2A-5CCF-789746779FA6}"/>
+              </a:ext>
+            </a:extLst>
+          </p:cNvPr>
+          <p:cNvPicPr>
+            <a:picLocks noGrp="1" noChangeAspect="1"/>
+          </p:cNvPicPr>
+          <p:nvPr>
+            <p:ph idx="1"/>
+          </p:nvPr>
+        </p:nvPicPr>
+        <p:blipFill>
+          <a:blip r:embed="rId2">
+            <a:extLst>
+              <a:ext uri="{28A0092B-C50C-407E-A947-70E740481C1C}">
+                <a14:useLocalDpi xmlns:a14="http://schemas.microsoft.com/office/drawing/2010/main" val="0"/>
+              </a:ext>
+            </a:extLst>
+          </a:blip>
+          <a:stretch>
+            <a:fillRect/>
+          </a:stretch>
+        </p:blipFill>
+        <p:spPr>
+          <a:xfrm>
+            <a:off x="2437141" y="1225766"/>
+            <a:ext cx="7344112" cy="4406468"/>
+          </a:xfrm>
+        </p:spPr>
+      </p:pic>
+    </p:spTree>
+    <p:extLst>
+      <p:ext uri="{BB962C8B-B14F-4D97-AF65-F5344CB8AC3E}">
+        <p14:creationId xmlns:p14="http://schemas.microsoft.com/office/powerpoint/2010/main" val="3132038864"/>
+      </p:ext>
+    </p:extLst>
+  </p:cSld>
+  <p:clrMapOvr>
+    <a:masterClrMapping/>
+  </p:clrMapOvr>
+</p:sld>
+</file>
+
 <file path=ppt/theme/theme1.xml><?xml version="1.0" encoding="utf-8"?>
 <a:theme xmlns:a="http://schemas.openxmlformats.org/drawingml/2006/main" name="LimelightVTI">
   <a:themeElements>
-    <a:clrScheme name="Slipstream">
+    <a:clrScheme name="Violet">
       <a:dk1>
         <a:sysClr val="windowText" lastClr="000000"/>
       </a:dk1>
@@ -4291,34 +5747,34 @@
         <a:sysClr val="window" lastClr="FFFFFF"/>
       </a:lt1>
       <a:dk2>
-        <a:srgbClr val="212745"/>
+        <a:srgbClr val="373545"/>
       </a:dk2>
       <a:lt2>
-        <a:srgbClr val="B4DCFA"/>
+        <a:srgbClr val="DCD8DC"/>
       </a:lt2>
       <a:accent1>
-        <a:srgbClr val="4E67C8"/>
+        <a:srgbClr val="AD84C6"/>
       </a:accent1>
       <a:accent2>
-        <a:srgbClr val="5ECCF3"/>
+        <a:srgbClr val="8784C7"/>
       </a:accent2>
       <a:accent3>
-        <a:srgbClr val="A7EA52"/>
+        <a:srgbClr val="5D739A"/>
       </a:accent3>
       <a:accent4>
-        <a:srgbClr val="5DCEAF"/>
+        <a:srgbClr val="6997AF"/>
       </a:accent4>
       <a:accent5>
-        <a:srgbClr val="FF8021"/>
+        <a:srgbClr val="84ACB6"/>
       </a:accent5>
       <a:accent6>
-        <a:srgbClr val="F14124"/>
+        <a:srgbClr val="6F8183"/>
       </a:accent6>
       <a:hlink>
-        <a:srgbClr val="56C7AA"/>
+        <a:srgbClr val="69A020"/>
       </a:hlink>
       <a:folHlink>
-        <a:srgbClr val="59A8D1"/>
+        <a:srgbClr val="8C8C8C"/>
       </a:folHlink>
     </a:clrScheme>
     <a:fontScheme name="Trade Gothic">
